--- a/아이디어제안서.pptx
+++ b/아이디어제안서.pptx
@@ -7,7 +7,8 @@
   <p:sldIdLst>
     <p:sldId id="256" r:id="rId2"/>
     <p:sldId id="258" r:id="rId3"/>
-    <p:sldId id="257" r:id="rId4"/>
+    <p:sldId id="259" r:id="rId4"/>
+    <p:sldId id="257" r:id="rId5"/>
   </p:sldIdLst>
   <p:sldSz cx="6858000" cy="5143500"/>
   <p:notesSz cx="6858000" cy="9144000"/>
@@ -106,6 +107,11 @@
       </a:defRPr>
     </a:lvl9pPr>
   </p:defaultTextStyle>
+  <p:extLst>
+    <p:ext uri="{EFAFB233-063F-42B5-8137-9DF3F51BA10A}">
+      <p15:sldGuideLst xmlns:p15="http://schemas.microsoft.com/office/powerpoint/2012/main"/>
+    </p:ext>
+  </p:extLst>
 </p:presentation>
 </file>
 
@@ -240,7 +246,7 @@
           <a:p>
             <a:fld id="{E982765B-E13B-403F-8095-F9A71F58D080}" type="datetimeFigureOut">
               <a:rPr lang="ko-KR" altLang="en-US" smtClean="0"/>
-              <a:t>2022-10-13</a:t>
+              <a:t>2022-10-14</a:t>
             </a:fld>
             <a:endParaRPr lang="ko-KR" altLang="en-US"/>
           </a:p>
@@ -410,7 +416,7 @@
           <a:p>
             <a:fld id="{E982765B-E13B-403F-8095-F9A71F58D080}" type="datetimeFigureOut">
               <a:rPr lang="ko-KR" altLang="en-US" smtClean="0"/>
-              <a:t>2022-10-13</a:t>
+              <a:t>2022-10-14</a:t>
             </a:fld>
             <a:endParaRPr lang="ko-KR" altLang="en-US"/>
           </a:p>
@@ -590,7 +596,7 @@
           <a:p>
             <a:fld id="{E982765B-E13B-403F-8095-F9A71F58D080}" type="datetimeFigureOut">
               <a:rPr lang="ko-KR" altLang="en-US" smtClean="0"/>
-              <a:t>2022-10-13</a:t>
+              <a:t>2022-10-14</a:t>
             </a:fld>
             <a:endParaRPr lang="ko-KR" altLang="en-US"/>
           </a:p>
@@ -760,7 +766,7 @@
           <a:p>
             <a:fld id="{E982765B-E13B-403F-8095-F9A71F58D080}" type="datetimeFigureOut">
               <a:rPr lang="ko-KR" altLang="en-US" smtClean="0"/>
-              <a:t>2022-10-13</a:t>
+              <a:t>2022-10-14</a:t>
             </a:fld>
             <a:endParaRPr lang="ko-KR" altLang="en-US"/>
           </a:p>
@@ -1004,7 +1010,7 @@
           <a:p>
             <a:fld id="{E982765B-E13B-403F-8095-F9A71F58D080}" type="datetimeFigureOut">
               <a:rPr lang="ko-KR" altLang="en-US" smtClean="0"/>
-              <a:t>2022-10-13</a:t>
+              <a:t>2022-10-14</a:t>
             </a:fld>
             <a:endParaRPr lang="ko-KR" altLang="en-US"/>
           </a:p>
@@ -1236,7 +1242,7 @@
           <a:p>
             <a:fld id="{E982765B-E13B-403F-8095-F9A71F58D080}" type="datetimeFigureOut">
               <a:rPr lang="ko-KR" altLang="en-US" smtClean="0"/>
-              <a:t>2022-10-13</a:t>
+              <a:t>2022-10-14</a:t>
             </a:fld>
             <a:endParaRPr lang="ko-KR" altLang="en-US"/>
           </a:p>
@@ -1603,7 +1609,7 @@
           <a:p>
             <a:fld id="{E982765B-E13B-403F-8095-F9A71F58D080}" type="datetimeFigureOut">
               <a:rPr lang="ko-KR" altLang="en-US" smtClean="0"/>
-              <a:t>2022-10-13</a:t>
+              <a:t>2022-10-14</a:t>
             </a:fld>
             <a:endParaRPr lang="ko-KR" altLang="en-US"/>
           </a:p>
@@ -1721,7 +1727,7 @@
           <a:p>
             <a:fld id="{E982765B-E13B-403F-8095-F9A71F58D080}" type="datetimeFigureOut">
               <a:rPr lang="ko-KR" altLang="en-US" smtClean="0"/>
-              <a:t>2022-10-13</a:t>
+              <a:t>2022-10-14</a:t>
             </a:fld>
             <a:endParaRPr lang="ko-KR" altLang="en-US"/>
           </a:p>
@@ -1816,7 +1822,7 @@
           <a:p>
             <a:fld id="{E982765B-E13B-403F-8095-F9A71F58D080}" type="datetimeFigureOut">
               <a:rPr lang="ko-KR" altLang="en-US" smtClean="0"/>
-              <a:t>2022-10-13</a:t>
+              <a:t>2022-10-14</a:t>
             </a:fld>
             <a:endParaRPr lang="ko-KR" altLang="en-US"/>
           </a:p>
@@ -2093,7 +2099,7 @@
           <a:p>
             <a:fld id="{E982765B-E13B-403F-8095-F9A71F58D080}" type="datetimeFigureOut">
               <a:rPr lang="ko-KR" altLang="en-US" smtClean="0"/>
-              <a:t>2022-10-13</a:t>
+              <a:t>2022-10-14</a:t>
             </a:fld>
             <a:endParaRPr lang="ko-KR" altLang="en-US"/>
           </a:p>
@@ -2350,7 +2356,7 @@
           <a:p>
             <a:fld id="{E982765B-E13B-403F-8095-F9A71F58D080}" type="datetimeFigureOut">
               <a:rPr lang="ko-KR" altLang="en-US" smtClean="0"/>
-              <a:t>2022-10-13</a:t>
+              <a:t>2022-10-14</a:t>
             </a:fld>
             <a:endParaRPr lang="ko-KR" altLang="en-US"/>
           </a:p>
@@ -2563,7 +2569,7 @@
           <a:p>
             <a:fld id="{E982765B-E13B-403F-8095-F9A71F58D080}" type="datetimeFigureOut">
               <a:rPr lang="ko-KR" altLang="en-US" smtClean="0"/>
-              <a:t>2022-10-13</a:t>
+              <a:t>2022-10-14</a:t>
             </a:fld>
             <a:endParaRPr lang="ko-KR" altLang="en-US"/>
           </a:p>
@@ -3228,6 +3234,36 @@
           <a:chExt cx="0" cy="0"/>
         </a:xfrm>
       </p:grpSpPr>
+    </p:spTree>
+    <p:extLst>
+      <p:ext uri="{BB962C8B-B14F-4D97-AF65-F5344CB8AC3E}">
+        <p14:creationId xmlns:p14="http://schemas.microsoft.com/office/powerpoint/2010/main" val="4126005017"/>
+      </p:ext>
+    </p:extLst>
+  </p:cSld>
+  <p:clrMapOvr>
+    <a:masterClrMapping/>
+  </p:clrMapOvr>
+</p:sld>
+</file>
+
+<file path=ppt/slides/slide4.xml><?xml version="1.0" encoding="utf-8"?>
+<p:sld xmlns:a="http://schemas.openxmlformats.org/drawingml/2006/main" xmlns:r="http://schemas.openxmlformats.org/officeDocument/2006/relationships" xmlns:p="http://schemas.openxmlformats.org/presentationml/2006/main">
+  <p:cSld>
+    <p:spTree>
+      <p:nvGrpSpPr>
+        <p:cNvPr id="1" name=""/>
+        <p:cNvGrpSpPr/>
+        <p:nvPr/>
+      </p:nvGrpSpPr>
+      <p:grpSpPr>
+        <a:xfrm>
+          <a:off x="0" y="0"/>
+          <a:ext cx="0" cy="0"/>
+          <a:chOff x="0" y="0"/>
+          <a:chExt cx="0" cy="0"/>
+        </a:xfrm>
+      </p:grpSpPr>
       <p:sp>
         <p:nvSpPr>
           <p:cNvPr id="2" name="사각형: 둥근 모서리 1">

--- a/아이디어제안서.pptx
+++ b/아이디어제안서.pptx
@@ -246,7 +246,7 @@
           <a:p>
             <a:fld id="{E982765B-E13B-403F-8095-F9A71F58D080}" type="datetimeFigureOut">
               <a:rPr lang="ko-KR" altLang="en-US" smtClean="0"/>
-              <a:t>2022-10-14</a:t>
+              <a:t>2022-10-17</a:t>
             </a:fld>
             <a:endParaRPr lang="ko-KR" altLang="en-US"/>
           </a:p>
@@ -416,7 +416,7 @@
           <a:p>
             <a:fld id="{E982765B-E13B-403F-8095-F9A71F58D080}" type="datetimeFigureOut">
               <a:rPr lang="ko-KR" altLang="en-US" smtClean="0"/>
-              <a:t>2022-10-14</a:t>
+              <a:t>2022-10-17</a:t>
             </a:fld>
             <a:endParaRPr lang="ko-KR" altLang="en-US"/>
           </a:p>
@@ -596,7 +596,7 @@
           <a:p>
             <a:fld id="{E982765B-E13B-403F-8095-F9A71F58D080}" type="datetimeFigureOut">
               <a:rPr lang="ko-KR" altLang="en-US" smtClean="0"/>
-              <a:t>2022-10-14</a:t>
+              <a:t>2022-10-17</a:t>
             </a:fld>
             <a:endParaRPr lang="ko-KR" altLang="en-US"/>
           </a:p>
@@ -766,7 +766,7 @@
           <a:p>
             <a:fld id="{E982765B-E13B-403F-8095-F9A71F58D080}" type="datetimeFigureOut">
               <a:rPr lang="ko-KR" altLang="en-US" smtClean="0"/>
-              <a:t>2022-10-14</a:t>
+              <a:t>2022-10-17</a:t>
             </a:fld>
             <a:endParaRPr lang="ko-KR" altLang="en-US"/>
           </a:p>
@@ -1010,7 +1010,7 @@
           <a:p>
             <a:fld id="{E982765B-E13B-403F-8095-F9A71F58D080}" type="datetimeFigureOut">
               <a:rPr lang="ko-KR" altLang="en-US" smtClean="0"/>
-              <a:t>2022-10-14</a:t>
+              <a:t>2022-10-17</a:t>
             </a:fld>
             <a:endParaRPr lang="ko-KR" altLang="en-US"/>
           </a:p>
@@ -1242,7 +1242,7 @@
           <a:p>
             <a:fld id="{E982765B-E13B-403F-8095-F9A71F58D080}" type="datetimeFigureOut">
               <a:rPr lang="ko-KR" altLang="en-US" smtClean="0"/>
-              <a:t>2022-10-14</a:t>
+              <a:t>2022-10-17</a:t>
             </a:fld>
             <a:endParaRPr lang="ko-KR" altLang="en-US"/>
           </a:p>
@@ -1609,7 +1609,7 @@
           <a:p>
             <a:fld id="{E982765B-E13B-403F-8095-F9A71F58D080}" type="datetimeFigureOut">
               <a:rPr lang="ko-KR" altLang="en-US" smtClean="0"/>
-              <a:t>2022-10-14</a:t>
+              <a:t>2022-10-17</a:t>
             </a:fld>
             <a:endParaRPr lang="ko-KR" altLang="en-US"/>
           </a:p>
@@ -1727,7 +1727,7 @@
           <a:p>
             <a:fld id="{E982765B-E13B-403F-8095-F9A71F58D080}" type="datetimeFigureOut">
               <a:rPr lang="ko-KR" altLang="en-US" smtClean="0"/>
-              <a:t>2022-10-14</a:t>
+              <a:t>2022-10-17</a:t>
             </a:fld>
             <a:endParaRPr lang="ko-KR" altLang="en-US"/>
           </a:p>
@@ -1822,7 +1822,7 @@
           <a:p>
             <a:fld id="{E982765B-E13B-403F-8095-F9A71F58D080}" type="datetimeFigureOut">
               <a:rPr lang="ko-KR" altLang="en-US" smtClean="0"/>
-              <a:t>2022-10-14</a:t>
+              <a:t>2022-10-17</a:t>
             </a:fld>
             <a:endParaRPr lang="ko-KR" altLang="en-US"/>
           </a:p>
@@ -2099,7 +2099,7 @@
           <a:p>
             <a:fld id="{E982765B-E13B-403F-8095-F9A71F58D080}" type="datetimeFigureOut">
               <a:rPr lang="ko-KR" altLang="en-US" smtClean="0"/>
-              <a:t>2022-10-14</a:t>
+              <a:t>2022-10-17</a:t>
             </a:fld>
             <a:endParaRPr lang="ko-KR" altLang="en-US"/>
           </a:p>
@@ -2356,7 +2356,7 @@
           <a:p>
             <a:fld id="{E982765B-E13B-403F-8095-F9A71F58D080}" type="datetimeFigureOut">
               <a:rPr lang="ko-KR" altLang="en-US" smtClean="0"/>
-              <a:t>2022-10-14</a:t>
+              <a:t>2022-10-17</a:t>
             </a:fld>
             <a:endParaRPr lang="ko-KR" altLang="en-US"/>
           </a:p>
@@ -2569,7 +2569,7 @@
           <a:p>
             <a:fld id="{E982765B-E13B-403F-8095-F9A71F58D080}" type="datetimeFigureOut">
               <a:rPr lang="ko-KR" altLang="en-US" smtClean="0"/>
-              <a:t>2022-10-14</a:t>
+              <a:t>2022-10-17</a:t>
             </a:fld>
             <a:endParaRPr lang="ko-KR" altLang="en-US"/>
           </a:p>
@@ -3234,6 +3234,63 @@
           <a:chExt cx="0" cy="0"/>
         </a:xfrm>
       </p:grpSpPr>
+      <p:sp>
+        <p:nvSpPr>
+          <p:cNvPr id="2" name="사각형: 잘린 대각선 방향 모서리 1">
+            <a:extLst>
+              <a:ext uri="{FF2B5EF4-FFF2-40B4-BE49-F238E27FC236}">
+                <a16:creationId xmlns:a16="http://schemas.microsoft.com/office/drawing/2014/main" id="{76873003-0F6A-4009-2265-A22437209F09}"/>
+              </a:ext>
+            </a:extLst>
+          </p:cNvPr>
+          <p:cNvSpPr/>
+          <p:nvPr/>
+        </p:nvSpPr>
+        <p:spPr>
+          <a:xfrm>
+            <a:off x="0" y="465292"/>
+            <a:ext cx="6137809" cy="60690"/>
+          </a:xfrm>
+          <a:prstGeom prst="snip2DiagRect">
+            <a:avLst>
+              <a:gd name="adj1" fmla="val 0"/>
+              <a:gd name="adj2" fmla="val 50000"/>
+            </a:avLst>
+          </a:prstGeom>
+          <a:solidFill>
+            <a:srgbClr val="92D050"/>
+          </a:solidFill>
+          <a:ln>
+            <a:solidFill>
+              <a:srgbClr val="92D050"/>
+            </a:solidFill>
+          </a:ln>
+        </p:spPr>
+        <p:style>
+          <a:lnRef idx="2">
+            <a:schemeClr val="accent1">
+              <a:shade val="50000"/>
+            </a:schemeClr>
+          </a:lnRef>
+          <a:fillRef idx="1">
+            <a:schemeClr val="accent1"/>
+          </a:fillRef>
+          <a:effectRef idx="0">
+            <a:schemeClr val="accent1"/>
+          </a:effectRef>
+          <a:fontRef idx="minor">
+            <a:schemeClr val="lt1"/>
+          </a:fontRef>
+        </p:style>
+        <p:txBody>
+          <a:bodyPr rtlCol="0" anchor="ctr"/>
+          <a:lstStyle/>
+          <a:p>
+            <a:pPr algn="ctr"/>
+            <a:endParaRPr lang="ko-KR" altLang="en-US"/>
+          </a:p>
+        </p:txBody>
+      </p:sp>
     </p:spTree>
     <p:extLst>
       <p:ext uri="{BB962C8B-B14F-4D97-AF65-F5344CB8AC3E}">
